--- a/pptx/TULIP6A.pptx
+++ b/pptx/TULIP6A.pptx
@@ -226,7 +226,7 @@
           <a:p>
             <a:fld id="{4EBD6D7F-0E41-4AA8-BB5D-9F0C1BDD1FC7}" type="datetimeFigureOut">
               <a:rPr lang="en-US" smtClean="0"/>
-              <a:t>12/25/2020</a:t>
+              <a:t>1/23/2021</a:t>
             </a:fld>
             <a:endParaRPr lang="en-US"/>
           </a:p>
@@ -391,7 +391,7 @@
           <a:p>
             <a:fld id="{62AEFF81-1C7B-4BA7-A461-86BF0FA45044}" type="datetimeFigureOut">
               <a:rPr lang="en-US" smtClean="0"/>
-              <a:t>12/25/2020</a:t>
+              <a:t>1/23/2021</a:t>
             </a:fld>
             <a:endParaRPr lang="en-US"/>
           </a:p>
@@ -867,10 +867,10 @@
       </p:sp>
       <p:pic>
         <p:nvPicPr>
-          <p:cNvPr id="6" name="图片 5" descr="徽标&#10;&#10;描述已自动生成">
+          <p:cNvPr id="6" name="图片 5">
             <a:extLst>
               <a:ext uri="{FF2B5EF4-FFF2-40B4-BE49-F238E27FC236}">
-                <a16:creationId xmlns:a16="http://schemas.microsoft.com/office/drawing/2014/main" id="{57888A75-EF83-4908-9F00-C73EF9A2AFD1}"/>
+                <a16:creationId xmlns:a16="http://schemas.microsoft.com/office/drawing/2014/main" id="{3E2739D7-5AC9-4E37-B7CF-A9D0C3047FA1}"/>
               </a:ext>
             </a:extLst>
           </p:cNvPr>
@@ -879,23 +879,70 @@
           </p:cNvPicPr>
           <p:nvPr userDrawn="1"/>
         </p:nvPicPr>
-        <p:blipFill rotWithShape="1">
+        <p:blipFill>
           <a:blip r:embed="rId3" cstate="print">
+            <a:clrChange>
+              <a:clrFrom>
+                <a:srgbClr val="FEFEFE"/>
+              </a:clrFrom>
+              <a:clrTo>
+                <a:srgbClr val="FEFEFE">
+                  <a:alpha val="0"/>
+                </a:srgbClr>
+              </a:clrTo>
+            </a:clrChange>
             <a:extLst>
               <a:ext uri="{28A0092B-C50C-407E-A947-70E740481C1C}">
                 <a14:useLocalDpi xmlns:a14="http://schemas.microsoft.com/office/drawing/2010/main" val="0"/>
               </a:ext>
             </a:extLst>
           </a:blip>
-          <a:srcRect l="15311" t="10703" r="11721" b="6931"/>
-          <a:stretch/>
+          <a:stretch>
+            <a:fillRect/>
+          </a:stretch>
         </p:blipFill>
         <p:spPr>
           <a:xfrm>
-            <a:off x="7802975" y="202925"/>
-            <a:ext cx="1080120" cy="1039186"/>
+            <a:off x="7879835" y="125848"/>
+            <a:ext cx="983929" cy="961504"/>
           </a:xfrm>
-          <a:prstGeom prst="ellipse">
+          <a:prstGeom prst="rect">
+            <a:avLst/>
+          </a:prstGeom>
+        </p:spPr>
+      </p:pic>
+      <p:pic>
+        <p:nvPicPr>
+          <p:cNvPr id="5" name="图片 4">
+            <a:extLst>
+              <a:ext uri="{FF2B5EF4-FFF2-40B4-BE49-F238E27FC236}">
+                <a16:creationId xmlns:a16="http://schemas.microsoft.com/office/drawing/2014/main" id="{4E16301D-75E5-46EB-9911-1E739E3FE2C9}"/>
+              </a:ext>
+            </a:extLst>
+          </p:cNvPr>
+          <p:cNvPicPr>
+            <a:picLocks noChangeAspect="1"/>
+          </p:cNvPicPr>
+          <p:nvPr userDrawn="1"/>
+        </p:nvPicPr>
+        <p:blipFill>
+          <a:blip r:embed="rId4">
+            <a:extLst>
+              <a:ext uri="{28A0092B-C50C-407E-A947-70E740481C1C}">
+                <a14:useLocalDpi xmlns:a14="http://schemas.microsoft.com/office/drawing/2010/main" val="0"/>
+              </a:ext>
+            </a:extLst>
+          </a:blip>
+          <a:stretch>
+            <a:fillRect/>
+          </a:stretch>
+        </p:blipFill>
+        <p:spPr>
+          <a:xfrm>
+            <a:off x="7277100" y="0"/>
+            <a:ext cx="1866900" cy="1323975"/>
+          </a:xfrm>
+          <a:prstGeom prst="rect">
             <a:avLst/>
           </a:prstGeom>
         </p:spPr>
@@ -4465,38 +4512,6 @@
       </p:grpSpPr>
       <p:sp>
         <p:nvSpPr>
-          <p:cNvPr id="2" name="标题占位符 1"/>
-          <p:cNvSpPr>
-            <a:spLocks noGrp="1"/>
-          </p:cNvSpPr>
-          <p:nvPr>
-            <p:ph type="title"/>
-          </p:nvPr>
-        </p:nvSpPr>
-        <p:spPr>
-          <a:xfrm>
-            <a:off x="457200" y="274638"/>
-            <a:ext cx="8229600" cy="1143000"/>
-          </a:xfrm>
-          <a:prstGeom prst="rect">
-            <a:avLst/>
-          </a:prstGeom>
-        </p:spPr>
-        <p:txBody>
-          <a:bodyPr vert="horz" lIns="91440" tIns="45720" rIns="91440" bIns="45720" rtlCol="0" anchor="ctr">
-            <a:normAutofit/>
-          </a:bodyPr>
-          <a:lstStyle/>
-          <a:p>
-            <a:r>
-              <a:rPr lang="en-US" dirty="0"/>
-              <a:t>Click to edit Master title style</a:t>
-            </a:r>
-          </a:p>
-        </p:txBody>
-      </p:sp>
-      <p:sp>
-        <p:nvSpPr>
           <p:cNvPr id="3" name="文本占位符 2"/>
           <p:cNvSpPr>
             <a:spLocks noGrp="1"/>
@@ -4601,7 +4616,7 @@
       </p:sp>
       <p:pic>
         <p:nvPicPr>
-          <p:cNvPr id="7" name="图片 6"/>
+          <p:cNvPr id="8" name="图片 7"/>
           <p:cNvPicPr>
             <a:picLocks noChangeAspect="1"/>
           </p:cNvPicPr>
@@ -4609,36 +4624,6 @@
         </p:nvPicPr>
         <p:blipFill>
           <a:blip r:embed="rId14" cstate="print">
-            <a:extLst>
-              <a:ext uri="{28A0092B-C50C-407E-A947-70E740481C1C}">
-                <a14:useLocalDpi xmlns:a14="http://schemas.microsoft.com/office/drawing/2010/main" val="0"/>
-              </a:ext>
-            </a:extLst>
-          </a:blip>
-          <a:stretch>
-            <a:fillRect/>
-          </a:stretch>
-        </p:blipFill>
-        <p:spPr>
-          <a:xfrm>
-            <a:off x="7740000" y="-25200"/>
-            <a:ext cx="1263600" cy="1263600"/>
-          </a:xfrm>
-          <a:prstGeom prst="rect">
-            <a:avLst/>
-          </a:prstGeom>
-        </p:spPr>
-      </p:pic>
-      <p:pic>
-        <p:nvPicPr>
-          <p:cNvPr id="8" name="图片 7"/>
-          <p:cNvPicPr>
-            <a:picLocks noChangeAspect="1"/>
-          </p:cNvPicPr>
-          <p:nvPr userDrawn="1"/>
-        </p:nvPicPr>
-        <p:blipFill>
-          <a:blip r:embed="rId15" cstate="print">
             <a:extLst>
               <a:ext uri="{28A0092B-C50C-407E-A947-70E740481C1C}">
                 <a14:useLocalDpi xmlns:a14="http://schemas.microsoft.com/office/drawing/2010/main" val="0"/>
@@ -4698,10 +4683,10 @@
       </p:sp>
       <p:pic>
         <p:nvPicPr>
-          <p:cNvPr id="9" name="图片 8" descr="徽标&#10;&#10;描述已自动生成">
+          <p:cNvPr id="9" name="图片 8">
             <a:extLst>
               <a:ext uri="{FF2B5EF4-FFF2-40B4-BE49-F238E27FC236}">
-                <a16:creationId xmlns:a16="http://schemas.microsoft.com/office/drawing/2014/main" id="{EC4F44A5-7A43-419A-AA6E-D5F8200F85DA}"/>
+                <a16:creationId xmlns:a16="http://schemas.microsoft.com/office/drawing/2014/main" id="{DABFA3C1-979D-4BF3-B37E-9E932CD0BC83}"/>
               </a:ext>
             </a:extLst>
           </p:cNvPr>
@@ -4710,27 +4695,106 @@
           </p:cNvPicPr>
           <p:nvPr userDrawn="1"/>
         </p:nvPicPr>
-        <p:blipFill rotWithShape="1">
-          <a:blip r:embed="rId16" cstate="print">
+        <p:blipFill>
+          <a:blip r:embed="rId15" cstate="print">
+            <a:clrChange>
+              <a:clrFrom>
+                <a:srgbClr val="FEFEFE"/>
+              </a:clrFrom>
+              <a:clrTo>
+                <a:srgbClr val="FEFEFE">
+                  <a:alpha val="0"/>
+                </a:srgbClr>
+              </a:clrTo>
+            </a:clrChange>
             <a:extLst>
               <a:ext uri="{28A0092B-C50C-407E-A947-70E740481C1C}">
                 <a14:useLocalDpi xmlns:a14="http://schemas.microsoft.com/office/drawing/2010/main" val="0"/>
               </a:ext>
             </a:extLst>
           </a:blip>
-          <a:srcRect l="15311" t="10703" r="11721" b="6931"/>
-          <a:stretch/>
+          <a:stretch>
+            <a:fillRect/>
+          </a:stretch>
         </p:blipFill>
         <p:spPr>
           <a:xfrm>
-            <a:off x="7861469" y="87007"/>
-            <a:ext cx="1080120" cy="1039186"/>
+            <a:off x="7879835" y="125848"/>
+            <a:ext cx="983929" cy="961504"/>
           </a:xfrm>
-          <a:prstGeom prst="ellipse">
+          <a:prstGeom prst="rect">
             <a:avLst/>
           </a:prstGeom>
         </p:spPr>
       </p:pic>
+      <p:pic>
+        <p:nvPicPr>
+          <p:cNvPr id="13" name="图片 12">
+            <a:extLst>
+              <a:ext uri="{FF2B5EF4-FFF2-40B4-BE49-F238E27FC236}">
+                <a16:creationId xmlns:a16="http://schemas.microsoft.com/office/drawing/2014/main" id="{3F93F551-0188-49E9-B1B6-FD04D80509FB}"/>
+              </a:ext>
+            </a:extLst>
+          </p:cNvPr>
+          <p:cNvPicPr>
+            <a:picLocks noChangeAspect="1"/>
+          </p:cNvPicPr>
+          <p:nvPr userDrawn="1"/>
+        </p:nvPicPr>
+        <p:blipFill>
+          <a:blip r:embed="rId16">
+            <a:extLst>
+              <a:ext uri="{28A0092B-C50C-407E-A947-70E740481C1C}">
+                <a14:useLocalDpi xmlns:a14="http://schemas.microsoft.com/office/drawing/2010/main" val="0"/>
+              </a:ext>
+            </a:extLst>
+          </a:blip>
+          <a:stretch>
+            <a:fillRect/>
+          </a:stretch>
+        </p:blipFill>
+        <p:spPr>
+          <a:xfrm>
+            <a:off x="7477125" y="0"/>
+            <a:ext cx="1666875" cy="1257300"/>
+          </a:xfrm>
+          <a:prstGeom prst="rect">
+            <a:avLst/>
+          </a:prstGeom>
+        </p:spPr>
+      </p:pic>
+      <p:sp>
+        <p:nvSpPr>
+          <p:cNvPr id="2" name="标题占位符 1"/>
+          <p:cNvSpPr>
+            <a:spLocks noGrp="1"/>
+          </p:cNvSpPr>
+          <p:nvPr>
+            <p:ph type="title"/>
+          </p:nvPr>
+        </p:nvSpPr>
+        <p:spPr>
+          <a:xfrm>
+            <a:off x="457200" y="274638"/>
+            <a:ext cx="8229600" cy="1143000"/>
+          </a:xfrm>
+          <a:prstGeom prst="rect">
+            <a:avLst/>
+          </a:prstGeom>
+        </p:spPr>
+        <p:txBody>
+          <a:bodyPr vert="horz" lIns="91440" tIns="45720" rIns="91440" bIns="45720" rtlCol="0" anchor="ctr">
+            <a:normAutofit/>
+          </a:bodyPr>
+          <a:lstStyle/>
+          <a:p>
+            <a:r>
+              <a:rPr lang="en-US" dirty="0"/>
+              <a:t>Click to edit Master title style</a:t>
+            </a:r>
+          </a:p>
+        </p:txBody>
+      </p:sp>
     </p:spTree>
     <p:extLst>
       <p:ext uri="{BB962C8B-B14F-4D97-AF65-F5344CB8AC3E}">
@@ -5106,7 +5170,7 @@
           <a:bodyPr/>
           <a:lstStyle/>
           <a:p>
-            <a:endParaRPr lang="en-US"/>
+            <a:endParaRPr lang="en-US" dirty="0"/>
           </a:p>
         </p:txBody>
       </p:sp>
@@ -5153,36 +5217,6 @@
           </a:p>
         </p:txBody>
       </p:sp>
-      <p:pic>
-        <p:nvPicPr>
-          <p:cNvPr id="5" name="图片 4">
-            <a:extLst>
-              <a:ext uri="{FF2B5EF4-FFF2-40B4-BE49-F238E27FC236}">
-                <a16:creationId xmlns:a16="http://schemas.microsoft.com/office/drawing/2014/main" id="{0AD0B6BF-0DF1-490B-B2E5-6ABF653F8684}"/>
-              </a:ext>
-            </a:extLst>
-          </p:cNvPr>
-          <p:cNvPicPr>
-            <a:picLocks noChangeAspect="1"/>
-          </p:cNvPicPr>
-          <p:nvPr/>
-        </p:nvPicPr>
-        <p:blipFill>
-          <a:blip r:embed="rId2"/>
-          <a:stretch>
-            <a:fillRect/>
-          </a:stretch>
-        </p:blipFill>
-        <p:spPr>
-          <a:xfrm>
-            <a:off x="7864943" y="92076"/>
-            <a:ext cx="1079086" cy="1042506"/>
-          </a:xfrm>
-          <a:prstGeom prst="rect">
-            <a:avLst/>
-          </a:prstGeom>
-        </p:spPr>
-      </p:pic>
     </p:spTree>
     <p:extLst>
       <p:ext uri="{BB962C8B-B14F-4D97-AF65-F5344CB8AC3E}">
